--- a/ppt/Parallel-Functional-Programming-with-Java.pptx
+++ b/ppt/Parallel-Functional-Programming-with-Java.pptx
@@ -2903,8 +2903,8 @@
         </p:nvSpPr>
         <p:spPr>
           <a:xfrm>
-            <a:off x="1721980" y="4293258"/>
-            <a:ext cx="4531659" cy="829945"/>
+            <a:off x="1722120" y="4293235"/>
+            <a:ext cx="9801225" cy="829945"/>
           </a:xfrm>
           <a:prstGeom prst="rect">
             <a:avLst/>
@@ -2938,7 +2938,16 @@
                   <a:schemeClr val="bg1"/>
                 </a:solidFill>
               </a:rPr>
-              <a:t>slides</a:t>
+              <a:t>Slides: </a:t>
+            </a:r>
+            <a:r>
+              <a:rPr kumimoji="1" lang="en-US" altLang="zh-CN" sz="1600" dirty="0">
+                <a:solidFill>
+                  <a:schemeClr val="bg1"/>
+                </a:solidFill>
+                <a:hlinkClick r:id="rId1" tooltip="" action="ppaction://hlinkfile"/>
+              </a:rPr>
+              <a:t>Click Here</a:t>
             </a:r>
             <a:endParaRPr kumimoji="1" lang="en-US" altLang="zh-CN" sz="1600" dirty="0">
               <a:solidFill>
@@ -3048,7 +3057,7 @@
           <p:nvPr/>
         </p:nvPicPr>
         <p:blipFill>
-          <a:blip r:embed="rId1"/>
+          <a:blip r:embed="rId2"/>
           <a:stretch>
             <a:fillRect/>
           </a:stretch>

--- a/ppt/Parallel-Functional-Programming-with-Java.pptx
+++ b/ppt/Parallel-Functional-Programming-with-Java.pptx
@@ -2945,7 +2945,7 @@
                 <a:solidFill>
                   <a:schemeClr val="bg1"/>
                 </a:solidFill>
-                <a:hlinkClick r:id="rId1" tooltip="" action="ppaction://hlinkfile"/>
+                <a:hlinkClick r:id="rId1" action="ppaction://hlinkfile"/>
               </a:rPr>
               <a:t>Click Here</a:t>
             </a:r>
@@ -5676,8 +5676,54 @@
         </p:spPr>
         <p:txBody>
           <a:bodyPr>
-            <a:normAutofit/>
+            <a:normAutofit lnSpcReduction="20000"/>
           </a:bodyPr>
+          <a:p>
+            <a:r>
+              <a:rPr kumimoji="1" lang="zh-CN" altLang="en-US" sz="3000" b="1" dirty="0">
+                <a:solidFill>
+                  <a:schemeClr val="bg1"/>
+                </a:solidFill>
+                <a:latin typeface="PingFang SC Semibold" panose="020B0400000000000000" pitchFamily="34" charset="-122"/>
+                <a:ea typeface="PingFang SC Semibold" panose="020B0400000000000000" pitchFamily="34" charset="-122"/>
+                <a:sym typeface="+mn-ea"/>
+                <a:hlinkClick r:id="rId3" tooltip="" action="ppaction://hlinkfile"/>
+              </a:rPr>
+              <a:t>项目</a:t>
+            </a:r>
+            <a:r>
+              <a:rPr kumimoji="1" lang="en-US" altLang="zh-CN" sz="3000" b="1" dirty="0">
+                <a:solidFill>
+                  <a:schemeClr val="bg1"/>
+                </a:solidFill>
+                <a:latin typeface="PingFang SC Semibold" panose="020B0400000000000000" pitchFamily="34" charset="-122"/>
+                <a:ea typeface="PingFang SC Semibold" panose="020B0400000000000000" pitchFamily="34" charset="-122"/>
+                <a:sym typeface="+mn-ea"/>
+                <a:hlinkClick r:id="rId3" tooltip="" action="ppaction://hlinkfile"/>
+              </a:rPr>
+              <a:t>Github</a:t>
+            </a:r>
+            <a:r>
+              <a:rPr kumimoji="1" lang="zh-CN" altLang="en-US" sz="3000" b="1" dirty="0">
+                <a:solidFill>
+                  <a:schemeClr val="bg1"/>
+                </a:solidFill>
+                <a:latin typeface="PingFang SC Semibold" panose="020B0400000000000000" pitchFamily="34" charset="-122"/>
+                <a:ea typeface="PingFang SC Semibold" panose="020B0400000000000000" pitchFamily="34" charset="-122"/>
+                <a:sym typeface="+mn-ea"/>
+                <a:hlinkClick r:id="rId3" tooltip="" action="ppaction://hlinkfile"/>
+              </a:rPr>
+              <a:t>地址</a:t>
+            </a:r>
+            <a:endParaRPr kumimoji="1" lang="en-US" altLang="zh-CN" sz="3000" b="1" dirty="0">
+              <a:solidFill>
+                <a:schemeClr val="bg1"/>
+              </a:solidFill>
+              <a:latin typeface="PingFang SC Semibold" panose="020B0400000000000000" pitchFamily="34" charset="-122"/>
+              <a:ea typeface="PingFang SC Semibold" panose="020B0400000000000000" pitchFamily="34" charset="-122"/>
+              <a:sym typeface="+mn-ea"/>
+            </a:endParaRPr>
+          </a:p>
           <a:p>
             <a:r>
               <a:rPr kumimoji="1" lang="en-US" altLang="zh-CN" sz="3000" b="1" dirty="0">

--- a/ppt/Parallel-Functional-Programming-with-Java.pptx
+++ b/ppt/Parallel-Functional-Programming-with-Java.pptx
@@ -2904,7 +2904,7 @@
         <p:spPr>
           <a:xfrm>
             <a:off x="1722120" y="4293235"/>
-            <a:ext cx="9801225" cy="829945"/>
+            <a:ext cx="9801225" cy="1076325"/>
           </a:xfrm>
           <a:prstGeom prst="rect">
             <a:avLst/>
@@ -2946,6 +2946,39 @@
                   <a:schemeClr val="bg1"/>
                 </a:solidFill>
                 <a:hlinkClick r:id="rId1" action="ppaction://hlinkfile"/>
+              </a:rPr>
+              <a:t>Click Here</a:t>
+            </a:r>
+            <a:endParaRPr kumimoji="1" lang="en-US" altLang="zh-CN" sz="1600" dirty="0">
+              <a:solidFill>
+                <a:schemeClr val="bg1"/>
+              </a:solidFill>
+              <a:hlinkClick r:id="rId1" action="ppaction://hlinkfile"/>
+            </a:endParaRPr>
+          </a:p>
+          <a:p>
+            <a:r>
+              <a:rPr kumimoji="1" lang="en-US" altLang="zh-CN" sz="1600" dirty="0">
+                <a:solidFill>
+                  <a:schemeClr val="bg1"/>
+                </a:solidFill>
+              </a:rPr>
+              <a:t>Code</a:t>
+            </a:r>
+            <a:r>
+              <a:rPr kumimoji="1" lang="zh-CN" altLang="en-US" sz="1600" dirty="0">
+                <a:solidFill>
+                  <a:schemeClr val="bg1"/>
+                </a:solidFill>
+              </a:rPr>
+              <a:t>：</a:t>
+            </a:r>
+            <a:r>
+              <a:rPr kumimoji="1" lang="en-US" altLang="zh-CN" sz="1600" dirty="0">
+                <a:solidFill>
+                  <a:schemeClr val="bg1"/>
+                </a:solidFill>
+                <a:hlinkClick r:id="rId2" tooltip="" action="ppaction://hlinkfile"/>
               </a:rPr>
               <a:t>Click Here</a:t>
             </a:r>
@@ -3057,7 +3090,7 @@
           <p:nvPr/>
         </p:nvPicPr>
         <p:blipFill>
-          <a:blip r:embed="rId2"/>
+          <a:blip r:embed="rId3"/>
           <a:stretch>
             <a:fillRect/>
           </a:stretch>
@@ -5687,7 +5720,7 @@
                 <a:latin typeface="PingFang SC Semibold" panose="020B0400000000000000" pitchFamily="34" charset="-122"/>
                 <a:ea typeface="PingFang SC Semibold" panose="020B0400000000000000" pitchFamily="34" charset="-122"/>
                 <a:sym typeface="+mn-ea"/>
-                <a:hlinkClick r:id="rId3" tooltip="" action="ppaction://hlinkfile"/>
+                <a:hlinkClick r:id="rId3" action="ppaction://hlinkfile"/>
               </a:rPr>
               <a:t>项目</a:t>
             </a:r>
@@ -5699,7 +5732,7 @@
                 <a:latin typeface="PingFang SC Semibold" panose="020B0400000000000000" pitchFamily="34" charset="-122"/>
                 <a:ea typeface="PingFang SC Semibold" panose="020B0400000000000000" pitchFamily="34" charset="-122"/>
                 <a:sym typeface="+mn-ea"/>
-                <a:hlinkClick r:id="rId3" tooltip="" action="ppaction://hlinkfile"/>
+                <a:hlinkClick r:id="rId3" action="ppaction://hlinkfile"/>
               </a:rPr>
               <a:t>Github</a:t>
             </a:r>
@@ -5711,7 +5744,7 @@
                 <a:latin typeface="PingFang SC Semibold" panose="020B0400000000000000" pitchFamily="34" charset="-122"/>
                 <a:ea typeface="PingFang SC Semibold" panose="020B0400000000000000" pitchFamily="34" charset="-122"/>
                 <a:sym typeface="+mn-ea"/>
-                <a:hlinkClick r:id="rId3" tooltip="" action="ppaction://hlinkfile"/>
+                <a:hlinkClick r:id="rId3" action="ppaction://hlinkfile"/>
               </a:rPr>
               <a:t>地址</a:t>
             </a:r>
@@ -7382,10 +7415,15 @@
             <p:ph idx="1"/>
           </p:nvPr>
         </p:nvSpPr>
-        <p:spPr/>
+        <p:spPr>
+          <a:xfrm>
+            <a:off x="838200" y="1550035"/>
+            <a:ext cx="10515600" cy="5019040"/>
+          </a:xfrm>
+        </p:spPr>
         <p:txBody>
           <a:bodyPr>
-            <a:normAutofit/>
+            <a:normAutofit fontScale="70000"/>
           </a:bodyPr>
           <a:p>
             <a:r>
@@ -7409,6 +7447,236 @@
               <a:t>1.1 -&gt; 5 -&gt; 7 -&gt; 8 -&gt; 9</a:t>
             </a:r>
             <a:endParaRPr kumimoji="1" lang="en-US" altLang="zh-CN" sz="3000" b="1" dirty="0">
+              <a:solidFill>
+                <a:schemeClr val="bg1"/>
+              </a:solidFill>
+              <a:latin typeface="PingFang SC Semibold" panose="020B0400000000000000" pitchFamily="34" charset="-122"/>
+              <a:ea typeface="PingFang SC Semibold" panose="020B0400000000000000" pitchFamily="34" charset="-122"/>
+            </a:endParaRPr>
+          </a:p>
+          <a:p>
+            <a:pPr lvl="1"/>
+            <a:r>
+              <a:rPr kumimoji="1" lang="en-US" altLang="zh-CN" sz="2570" b="1" dirty="0">
+                <a:solidFill>
+                  <a:schemeClr val="bg1"/>
+                </a:solidFill>
+                <a:latin typeface="PingFang SC Semibold" panose="020B0400000000000000" pitchFamily="34" charset="-122"/>
+                <a:ea typeface="PingFang SC Semibold" panose="020B0400000000000000" pitchFamily="34" charset="-122"/>
+              </a:rPr>
+              <a:t>1.1:wait/notify/thread,synchronize</a:t>
+            </a:r>
+            <a:endParaRPr kumimoji="1" lang="en-US" altLang="zh-CN" sz="2570" b="1" dirty="0">
+              <a:solidFill>
+                <a:schemeClr val="bg1"/>
+              </a:solidFill>
+              <a:latin typeface="PingFang SC Semibold" panose="020B0400000000000000" pitchFamily="34" charset="-122"/>
+              <a:ea typeface="PingFang SC Semibold" panose="020B0400000000000000" pitchFamily="34" charset="-122"/>
+            </a:endParaRPr>
+          </a:p>
+          <a:p>
+            <a:pPr lvl="1"/>
+            <a:r>
+              <a:rPr kumimoji="1" lang="en-US" altLang="zh-CN" sz="2570" b="1" dirty="0">
+                <a:solidFill>
+                  <a:schemeClr val="bg1"/>
+                </a:solidFill>
+                <a:latin typeface="PingFang SC Semibold" panose="020B0400000000000000" pitchFamily="34" charset="-122"/>
+                <a:ea typeface="PingFang SC Semibold" panose="020B0400000000000000" pitchFamily="34" charset="-122"/>
+              </a:rPr>
+              <a:t>5:juc:</a:t>
+            </a:r>
+            <a:r>
+              <a:rPr kumimoji="1" lang="zh-CN" altLang="en-US" sz="2570" b="1" dirty="0">
+                <a:solidFill>
+                  <a:schemeClr val="bg1"/>
+                </a:solidFill>
+                <a:latin typeface="PingFang SC Semibold" panose="020B0400000000000000" pitchFamily="34" charset="-122"/>
+                <a:ea typeface="PingFang SC Semibold" panose="020B0400000000000000" pitchFamily="34" charset="-122"/>
+              </a:rPr>
+              <a:t>并发集合，</a:t>
+            </a:r>
+            <a:r>
+              <a:rPr kumimoji="1" lang="en-US" altLang="zh-CN" sz="2570" b="1" dirty="0">
+                <a:solidFill>
+                  <a:schemeClr val="bg1"/>
+                </a:solidFill>
+                <a:latin typeface="PingFang SC Semibold" panose="020B0400000000000000" pitchFamily="34" charset="-122"/>
+                <a:ea typeface="PingFang SC Semibold" panose="020B0400000000000000" pitchFamily="34" charset="-122"/>
+              </a:rPr>
+              <a:t>executor</a:t>
+            </a:r>
+            <a:r>
+              <a:rPr kumimoji="1" lang="zh-CN" altLang="en-US" sz="2570" b="1" dirty="0">
+                <a:solidFill>
+                  <a:schemeClr val="bg1"/>
+                </a:solidFill>
+                <a:latin typeface="PingFang SC Semibold" panose="020B0400000000000000" pitchFamily="34" charset="-122"/>
+                <a:ea typeface="PingFang SC Semibold" panose="020B0400000000000000" pitchFamily="34" charset="-122"/>
+              </a:rPr>
+              <a:t>框架</a:t>
+            </a:r>
+            <a:r>
+              <a:rPr kumimoji="1" lang="en-US" altLang="zh-CN" sz="2570" b="1" dirty="0">
+                <a:solidFill>
+                  <a:schemeClr val="bg1"/>
+                </a:solidFill>
+                <a:latin typeface="PingFang SC Semibold" panose="020B0400000000000000" pitchFamily="34" charset="-122"/>
+                <a:ea typeface="PingFang SC Semibold" panose="020B0400000000000000" pitchFamily="34" charset="-122"/>
+              </a:rPr>
+              <a:t>, aqs</a:t>
+            </a:r>
+            <a:endParaRPr kumimoji="1" lang="zh-CN" altLang="en-US" sz="2570" b="1" dirty="0">
+              <a:solidFill>
+                <a:schemeClr val="bg1"/>
+              </a:solidFill>
+              <a:latin typeface="PingFang SC Semibold" panose="020B0400000000000000" pitchFamily="34" charset="-122"/>
+              <a:ea typeface="PingFang SC Semibold" panose="020B0400000000000000" pitchFamily="34" charset="-122"/>
+            </a:endParaRPr>
+          </a:p>
+          <a:p>
+            <a:pPr lvl="1"/>
+            <a:r>
+              <a:rPr kumimoji="1" lang="en-US" altLang="zh-CN" sz="2570" b="1" dirty="0">
+                <a:solidFill>
+                  <a:schemeClr val="bg1"/>
+                </a:solidFill>
+                <a:latin typeface="PingFang SC Semibold" panose="020B0400000000000000" pitchFamily="34" charset="-122"/>
+                <a:ea typeface="PingFang SC Semibold" panose="020B0400000000000000" pitchFamily="34" charset="-122"/>
+              </a:rPr>
+              <a:t>7</a:t>
+            </a:r>
+            <a:r>
+              <a:rPr kumimoji="1" lang="zh-CN" altLang="en-US" sz="2570" b="1" dirty="0">
+                <a:solidFill>
+                  <a:schemeClr val="bg1"/>
+                </a:solidFill>
+                <a:latin typeface="PingFang SC Semibold" panose="020B0400000000000000" pitchFamily="34" charset="-122"/>
+                <a:ea typeface="PingFang SC Semibold" panose="020B0400000000000000" pitchFamily="34" charset="-122"/>
+              </a:rPr>
+              <a:t>：</a:t>
+            </a:r>
+            <a:r>
+              <a:rPr kumimoji="1" lang="en-US" altLang="zh-CN" sz="2570" b="1" dirty="0">
+                <a:solidFill>
+                  <a:schemeClr val="bg1"/>
+                </a:solidFill>
+                <a:latin typeface="PingFang SC Semibold" panose="020B0400000000000000" pitchFamily="34" charset="-122"/>
+                <a:ea typeface="PingFang SC Semibold" panose="020B0400000000000000" pitchFamily="34" charset="-122"/>
+              </a:rPr>
+              <a:t>fork-join</a:t>
+            </a:r>
+            <a:endParaRPr kumimoji="1" lang="en-US" altLang="zh-CN" sz="2570" b="1" dirty="0">
+              <a:solidFill>
+                <a:schemeClr val="bg1"/>
+              </a:solidFill>
+              <a:latin typeface="PingFang SC Semibold" panose="020B0400000000000000" pitchFamily="34" charset="-122"/>
+              <a:ea typeface="PingFang SC Semibold" panose="020B0400000000000000" pitchFamily="34" charset="-122"/>
+            </a:endParaRPr>
+          </a:p>
+          <a:p>
+            <a:pPr lvl="1"/>
+            <a:r>
+              <a:rPr kumimoji="1" lang="en-US" altLang="zh-CN" sz="2570" b="1" dirty="0">
+                <a:solidFill>
+                  <a:schemeClr val="bg1"/>
+                </a:solidFill>
+                <a:latin typeface="PingFang SC Semibold" panose="020B0400000000000000" pitchFamily="34" charset="-122"/>
+                <a:ea typeface="PingFang SC Semibold" panose="020B0400000000000000" pitchFamily="34" charset="-122"/>
+              </a:rPr>
+              <a:t>8</a:t>
+            </a:r>
+            <a:r>
+              <a:rPr kumimoji="1" lang="zh-CN" altLang="en-US" sz="2570" b="1" dirty="0">
+                <a:solidFill>
+                  <a:schemeClr val="bg1"/>
+                </a:solidFill>
+                <a:latin typeface="PingFang SC Semibold" panose="020B0400000000000000" pitchFamily="34" charset="-122"/>
+                <a:ea typeface="PingFang SC Semibold" panose="020B0400000000000000" pitchFamily="34" charset="-122"/>
+              </a:rPr>
+              <a:t>：</a:t>
+            </a:r>
+            <a:r>
+              <a:rPr kumimoji="1" lang="en-US" altLang="zh-CN" sz="2570" b="1" dirty="0">
+                <a:solidFill>
+                  <a:schemeClr val="bg1"/>
+                </a:solidFill>
+                <a:latin typeface="PingFang SC Semibold" panose="020B0400000000000000" pitchFamily="34" charset="-122"/>
+                <a:ea typeface="PingFang SC Semibold" panose="020B0400000000000000" pitchFamily="34" charset="-122"/>
+              </a:rPr>
+              <a:t>stream</a:t>
+            </a:r>
+            <a:r>
+              <a:rPr kumimoji="1" lang="zh-CN" altLang="en-US" sz="2570" b="1" dirty="0">
+                <a:solidFill>
+                  <a:schemeClr val="bg1"/>
+                </a:solidFill>
+                <a:latin typeface="PingFang SC Semibold" panose="020B0400000000000000" pitchFamily="34" charset="-122"/>
+                <a:ea typeface="PingFang SC Semibold" panose="020B0400000000000000" pitchFamily="34" charset="-122"/>
+              </a:rPr>
+              <a:t>，</a:t>
+            </a:r>
+            <a:r>
+              <a:rPr kumimoji="1" lang="en-US" altLang="zh-CN" sz="2570" b="1" dirty="0">
+                <a:solidFill>
+                  <a:schemeClr val="bg1"/>
+                </a:solidFill>
+                <a:latin typeface="PingFang SC Semibold" panose="020B0400000000000000" pitchFamily="34" charset="-122"/>
+                <a:ea typeface="PingFang SC Semibold" panose="020B0400000000000000" pitchFamily="34" charset="-122"/>
+              </a:rPr>
+              <a:t>completefuture </a:t>
+            </a:r>
+            <a:endParaRPr kumimoji="1" lang="en-US" altLang="zh-CN" sz="2570" b="1" dirty="0">
+              <a:solidFill>
+                <a:schemeClr val="bg1"/>
+              </a:solidFill>
+              <a:latin typeface="PingFang SC Semibold" panose="020B0400000000000000" pitchFamily="34" charset="-122"/>
+              <a:ea typeface="PingFang SC Semibold" panose="020B0400000000000000" pitchFamily="34" charset="-122"/>
+            </a:endParaRPr>
+          </a:p>
+          <a:p>
+            <a:pPr lvl="1"/>
+            <a:r>
+              <a:rPr kumimoji="1" lang="en-US" altLang="zh-CN" sz="2570" b="1" dirty="0">
+                <a:solidFill>
+                  <a:schemeClr val="bg1"/>
+                </a:solidFill>
+                <a:latin typeface="PingFang SC Semibold" panose="020B0400000000000000" pitchFamily="34" charset="-122"/>
+                <a:ea typeface="PingFang SC Semibold" panose="020B0400000000000000" pitchFamily="34" charset="-122"/>
+              </a:rPr>
+              <a:t>9:flow</a:t>
+            </a:r>
+            <a:endParaRPr kumimoji="1" lang="en-US" altLang="zh-CN" sz="2570" b="1" dirty="0">
+              <a:solidFill>
+                <a:schemeClr val="bg1"/>
+              </a:solidFill>
+              <a:latin typeface="PingFang SC Semibold" panose="020B0400000000000000" pitchFamily="34" charset="-122"/>
+              <a:ea typeface="PingFang SC Semibold" panose="020B0400000000000000" pitchFamily="34" charset="-122"/>
+            </a:endParaRPr>
+          </a:p>
+          <a:p>
+            <a:pPr lvl="0"/>
+            <a:r>
+              <a:rPr kumimoji="1" lang="zh-CN" altLang="en-US" sz="2995" b="1" dirty="0">
+                <a:solidFill>
+                  <a:schemeClr val="bg1"/>
+                </a:solidFill>
+                <a:latin typeface="PingFang SC Semibold" panose="020B0400000000000000" pitchFamily="34" charset="-122"/>
+                <a:ea typeface="PingFang SC Semibold" panose="020B0400000000000000" pitchFamily="34" charset="-122"/>
+              </a:rPr>
+              <a:t>特点</a:t>
+            </a:r>
+            <a:r>
+              <a:rPr kumimoji="1" lang="en-US" altLang="zh-CN" sz="2995" b="1" dirty="0">
+                <a:solidFill>
+                  <a:schemeClr val="bg1"/>
+                </a:solidFill>
+                <a:latin typeface="PingFang SC Semibold" panose="020B0400000000000000" pitchFamily="34" charset="-122"/>
+                <a:ea typeface="PingFang SC Semibold" panose="020B0400000000000000" pitchFamily="34" charset="-122"/>
+              </a:rPr>
+              <a:t>	</a:t>
+            </a:r>
+            <a:endParaRPr kumimoji="1" lang="en-US" altLang="zh-CN" sz="2995" b="1" dirty="0">
               <a:solidFill>
                 <a:schemeClr val="bg1"/>
               </a:solidFill>
@@ -7653,7 +7921,7 @@
         </p:blipFill>
         <p:spPr>
           <a:xfrm>
-            <a:off x="6677660" y="2440940"/>
+            <a:off x="6143625" y="2360930"/>
             <a:ext cx="5210175" cy="3845560"/>
           </a:xfrm>
           <a:prstGeom prst="rect">
@@ -8517,7 +8785,7 @@
         </p:spPr>
         <p:txBody>
           <a:bodyPr>
-            <a:normAutofit/>
+            <a:normAutofit fontScale="70000"/>
           </a:bodyPr>
           <a:p>
             <a:r>
@@ -8548,7 +8816,37 @@
                 <a:latin typeface="PingFang SC Semibold" panose="020B0400000000000000" pitchFamily="34" charset="-122"/>
                 <a:ea typeface="PingFang SC Semibold" panose="020B0400000000000000" pitchFamily="34" charset="-122"/>
               </a:rPr>
-              <a:t>源很好分割</a:t>
+              <a:t>源很好分割：</a:t>
+            </a:r>
+            <a:r>
+              <a:rPr kumimoji="1" lang="en-US" altLang="zh-CN" sz="2570" b="1" dirty="0">
+                <a:solidFill>
+                  <a:schemeClr val="bg1"/>
+                </a:solidFill>
+                <a:latin typeface="PingFang SC Semibold" panose="020B0400000000000000" pitchFamily="34" charset="-122"/>
+                <a:ea typeface="PingFang SC Semibold" panose="020B0400000000000000" pitchFamily="34" charset="-122"/>
+              </a:rPr>
+              <a:t>intrange</a:t>
+            </a:r>
+            <a:r>
+              <a:rPr kumimoji="1" lang="zh-CN" altLang="en-US" sz="2570" b="1" dirty="0">
+                <a:solidFill>
+                  <a:schemeClr val="bg1"/>
+                </a:solidFill>
+                <a:latin typeface="PingFang SC Semibold" panose="020B0400000000000000" pitchFamily="34" charset="-122"/>
+                <a:ea typeface="PingFang SC Semibold" panose="020B0400000000000000" pitchFamily="34" charset="-122"/>
+              </a:rPr>
+              <a:t>，</a:t>
+            </a:r>
+            <a:r>
+              <a:rPr kumimoji="1" lang="en-US" altLang="zh-CN" sz="2570" b="1" dirty="0">
+                <a:solidFill>
+                  <a:schemeClr val="bg1"/>
+                </a:solidFill>
+                <a:latin typeface="PingFang SC Semibold" panose="020B0400000000000000" pitchFamily="34" charset="-122"/>
+                <a:ea typeface="PingFang SC Semibold" panose="020B0400000000000000" pitchFamily="34" charset="-122"/>
+              </a:rPr>
+              <a:t>longrange</a:t>
             </a:r>
             <a:endParaRPr kumimoji="1" lang="zh-CN" altLang="en-US" sz="2570" b="1" dirty="0">
               <a:solidFill>
@@ -8608,7 +8906,47 @@
                 <a:latin typeface="PingFang SC Semibold" panose="020B0400000000000000" pitchFamily="34" charset="-122"/>
                 <a:ea typeface="PingFang SC Semibold" panose="020B0400000000000000" pitchFamily="34" charset="-122"/>
               </a:rPr>
-              <a:t>计算密集型</a:t>
+              <a:t>计算密集型，非</a:t>
+            </a:r>
+            <a:r>
+              <a:rPr kumimoji="1" lang="en-US" altLang="zh-CN" sz="2570" b="1" dirty="0">
+                <a:solidFill>
+                  <a:schemeClr val="bg1"/>
+                </a:solidFill>
+                <a:latin typeface="PingFang SC Semibold" panose="020B0400000000000000" pitchFamily="34" charset="-122"/>
+                <a:ea typeface="PingFang SC Semibold" panose="020B0400000000000000" pitchFamily="34" charset="-122"/>
+              </a:rPr>
+              <a:t>IO</a:t>
+            </a:r>
+            <a:r>
+              <a:rPr kumimoji="1" lang="zh-CN" altLang="en-US" sz="2570" b="1" dirty="0">
+                <a:solidFill>
+                  <a:schemeClr val="bg1"/>
+                </a:solidFill>
+                <a:latin typeface="PingFang SC Semibold" panose="020B0400000000000000" pitchFamily="34" charset="-122"/>
+                <a:ea typeface="PingFang SC Semibold" panose="020B0400000000000000" pitchFamily="34" charset="-122"/>
+              </a:rPr>
+              <a:t>密集型</a:t>
+            </a:r>
+            <a:endParaRPr kumimoji="1" lang="zh-CN" altLang="en-US" sz="2570" b="1" dirty="0">
+              <a:solidFill>
+                <a:schemeClr val="bg1"/>
+              </a:solidFill>
+              <a:latin typeface="PingFang SC Semibold" panose="020B0400000000000000" pitchFamily="34" charset="-122"/>
+              <a:ea typeface="PingFang SC Semibold" panose="020B0400000000000000" pitchFamily="34" charset="-122"/>
+            </a:endParaRPr>
+          </a:p>
+          <a:p>
+            <a:pPr lvl="1"/>
+            <a:r>
+              <a:rPr kumimoji="1" lang="zh-CN" altLang="en-US" sz="2570" b="1" dirty="0">
+                <a:solidFill>
+                  <a:schemeClr val="bg1"/>
+                </a:solidFill>
+                <a:latin typeface="PingFang SC Semibold" panose="020B0400000000000000" pitchFamily="34" charset="-122"/>
+                <a:ea typeface="PingFang SC Semibold" panose="020B0400000000000000" pitchFamily="34" charset="-122"/>
+              </a:rPr>
+              <a:t>机器学习，数据处理领域</a:t>
             </a:r>
             <a:endParaRPr kumimoji="1" lang="zh-CN" altLang="en-US" sz="2570" b="1" dirty="0">
               <a:solidFill>
@@ -8651,7 +8989,110 @@
               </a:rPr>
               <a:t>When to use parallel streams</a:t>
             </a:r>
-            <a:endParaRPr kumimoji="1" lang="en-US" altLang="zh-CN" sz="2995" b="1" dirty="0">
+            <a:endParaRPr kumimoji="1" lang="en-US" altLang="zh-CN" sz="2565" b="1" dirty="0">
+              <a:solidFill>
+                <a:schemeClr val="bg1"/>
+              </a:solidFill>
+              <a:latin typeface="PingFang SC Semibold" panose="020B0400000000000000" pitchFamily="34" charset="-122"/>
+              <a:ea typeface="PingFang SC Semibold" panose="020B0400000000000000" pitchFamily="34" charset="-122"/>
+              <a:hlinkClick r:id="rId3" action="ppaction://hlinkfile"/>
+            </a:endParaRPr>
+          </a:p>
+          <a:p>
+            <a:pPr lvl="1"/>
+            <a:r>
+              <a:rPr kumimoji="1" lang="en-US" altLang="zh-CN" sz="2565" b="1" dirty="0">
+                <a:solidFill>
+                  <a:schemeClr val="bg1"/>
+                </a:solidFill>
+                <a:latin typeface="PingFang SC Semibold" panose="020B0400000000000000" pitchFamily="34" charset="-122"/>
+                <a:ea typeface="PingFang SC Semibold" panose="020B0400000000000000" pitchFamily="34" charset="-122"/>
+              </a:rPr>
+              <a:t>compute expensive/independent</a:t>
+            </a:r>
+            <a:endParaRPr kumimoji="1" lang="en-US" altLang="zh-CN" sz="2565" b="1" dirty="0">
+              <a:solidFill>
+                <a:schemeClr val="bg1"/>
+              </a:solidFill>
+              <a:latin typeface="PingFang SC Semibold" panose="020B0400000000000000" pitchFamily="34" charset="-122"/>
+              <a:ea typeface="PingFang SC Semibold" panose="020B0400000000000000" pitchFamily="34" charset="-122"/>
+            </a:endParaRPr>
+          </a:p>
+          <a:p>
+            <a:pPr lvl="1"/>
+            <a:r>
+              <a:rPr kumimoji="1" lang="en-US" altLang="zh-CN" sz="2565" b="1" dirty="0">
+                <a:solidFill>
+                  <a:schemeClr val="bg1"/>
+                </a:solidFill>
+                <a:latin typeface="PingFang SC Semibold" panose="020B0400000000000000" pitchFamily="34" charset="-122"/>
+                <a:ea typeface="PingFang SC Semibold" panose="020B0400000000000000" pitchFamily="34" charset="-122"/>
+              </a:rPr>
+              <a:t>efficiently spittable</a:t>
+            </a:r>
+            <a:endParaRPr kumimoji="1" lang="en-US" altLang="zh-CN" sz="2565" b="1" dirty="0">
+              <a:solidFill>
+                <a:schemeClr val="bg1"/>
+              </a:solidFill>
+              <a:latin typeface="PingFang SC Semibold" panose="020B0400000000000000" pitchFamily="34" charset="-122"/>
+              <a:ea typeface="PingFang SC Semibold" panose="020B0400000000000000" pitchFamily="34" charset="-122"/>
+            </a:endParaRPr>
+          </a:p>
+          <a:p>
+            <a:pPr marL="457200" lvl="1" indent="0">
+              <a:buNone/>
+            </a:pPr>
+            <a:endParaRPr kumimoji="1" lang="en-US" altLang="zh-CN" sz="2565" b="1" dirty="0">
+              <a:solidFill>
+                <a:schemeClr val="bg1"/>
+              </a:solidFill>
+              <a:latin typeface="PingFang SC Semibold" panose="020B0400000000000000" pitchFamily="34" charset="-122"/>
+              <a:ea typeface="PingFang SC Semibold" panose="020B0400000000000000" pitchFamily="34" charset="-122"/>
+            </a:endParaRPr>
+          </a:p>
+          <a:p>
+            <a:pPr lvl="0"/>
+            <a:r>
+              <a:rPr kumimoji="1" lang="en-US" altLang="zh-CN" sz="2990" b="1" dirty="0">
+                <a:solidFill>
+                  <a:schemeClr val="bg1"/>
+                </a:solidFill>
+                <a:latin typeface="PingFang SC Semibold" panose="020B0400000000000000" pitchFamily="34" charset="-122"/>
+                <a:ea typeface="PingFang SC Semibold" panose="020B0400000000000000" pitchFamily="34" charset="-122"/>
+              </a:rPr>
+              <a:t>Effective Java3</a:t>
+            </a:r>
+            <a:endParaRPr kumimoji="1" lang="en-US" altLang="zh-CN" sz="2990" b="1" dirty="0">
+              <a:solidFill>
+                <a:schemeClr val="bg1"/>
+              </a:solidFill>
+              <a:latin typeface="PingFang SC Semibold" panose="020B0400000000000000" pitchFamily="34" charset="-122"/>
+              <a:ea typeface="PingFang SC Semibold" panose="020B0400000000000000" pitchFamily="34" charset="-122"/>
+            </a:endParaRPr>
+          </a:p>
+          <a:p>
+            <a:pPr lvl="1"/>
+            <a:r>
+              <a:rPr kumimoji="1" lang="en-US" altLang="zh-CN" sz="2560" b="1" dirty="0">
+                <a:solidFill>
+                  <a:schemeClr val="bg1"/>
+                </a:solidFill>
+                <a:latin typeface="PingFang SC Semibold" panose="020B0400000000000000" pitchFamily="34" charset="-122"/>
+                <a:ea typeface="PingFang SC Semibold" panose="020B0400000000000000" pitchFamily="34" charset="-122"/>
+              </a:rPr>
+              <a:t>item48</a:t>
+            </a:r>
+            <a:r>
+              <a:rPr kumimoji="1" lang="zh-CN" altLang="en-US" sz="2560" b="1" dirty="0">
+                <a:solidFill>
+                  <a:schemeClr val="bg1"/>
+                </a:solidFill>
+                <a:latin typeface="PingFang SC Semibold" panose="020B0400000000000000" pitchFamily="34" charset="-122"/>
+                <a:ea typeface="PingFang SC Semibold" panose="020B0400000000000000" pitchFamily="34" charset="-122"/>
+              </a:rPr>
+              <a:t>：Use caution when making streams parallel</a:t>
+            </a:r>
+            <a:endParaRPr kumimoji="1" lang="zh-CN" altLang="en-US" sz="2560" b="1" dirty="0">
               <a:solidFill>
                 <a:schemeClr val="bg1"/>
               </a:solidFill>
@@ -8697,7 +9138,7 @@
         </p:blipFill>
         <p:spPr>
           <a:xfrm>
-            <a:off x="5099050" y="394335"/>
+            <a:off x="5318125" y="235585"/>
             <a:ext cx="6604000" cy="2404110"/>
           </a:xfrm>
           <a:prstGeom prst="rect">

--- a/ppt/Parallel-Functional-Programming-with-Java.pptx
+++ b/ppt/Parallel-Functional-Programming-with-Java.pptx
@@ -2978,7 +2978,7 @@
                 <a:solidFill>
                   <a:schemeClr val="bg1"/>
                 </a:solidFill>
-                <a:hlinkClick r:id="rId2" tooltip="" action="ppaction://hlinkfile"/>
+                <a:hlinkClick r:id="rId2" action="ppaction://hlinkfile"/>
               </a:rPr>
               <a:t>Click Here</a:t>
             </a:r>
@@ -5193,6 +5193,30 @@
           </a:p>
         </p:txBody>
       </p:sp>
+      <p:pic>
+        <p:nvPicPr>
+          <p:cNvPr id="2" name="图片 1"/>
+          <p:cNvPicPr>
+            <a:picLocks noChangeAspect="1"/>
+          </p:cNvPicPr>
+          <p:nvPr/>
+        </p:nvPicPr>
+        <p:blipFill>
+          <a:blip r:embed="rId4"/>
+          <a:stretch>
+            <a:fillRect/>
+          </a:stretch>
+        </p:blipFill>
+        <p:spPr>
+          <a:xfrm>
+            <a:off x="2080260" y="2531110"/>
+            <a:ext cx="5880735" cy="4037330"/>
+          </a:xfrm>
+          <a:prstGeom prst="rect">
+            <a:avLst/>
+          </a:prstGeom>
+        </p:spPr>
+      </p:pic>
     </p:spTree>
   </p:cSld>
   <p:clrMapOvr>
